--- a/diagrams/proposed-thread-mle-message-extension-tlv/proposed-thread-mle-message-extension-tlv.pptx
+++ b/diagrams/proposed-thread-mle-message-extension-tlv/proposed-thread-mle-message-extension-tlv.pptx
@@ -2927,7 +2927,7 @@
           <p:nvPr>
             <p:extLst>
               <p:ext uri="{D42A27DB-BD31-4B8C-83A1-F6EECF244321}">
-                <p14:modId xmlns:p14="http://schemas.microsoft.com/office/powerpoint/2010/main" val="2108501641"/>
+                <p14:modId xmlns:p14="http://schemas.microsoft.com/office/powerpoint/2010/main" val="1487932610"/>
               </p:ext>
             </p:extLst>
           </p:nvPr>
@@ -7152,7 +7152,7 @@
                         <a:defRPr/>
                       </a:pPr>
                       <a:r>
-                        <a:rPr lang="en-US" sz="1800" b="0" dirty="0" smtClean="0">
+                        <a:rPr lang="en-US" sz="1800" b="0" smtClean="0">
                           <a:solidFill>
                             <a:sysClr val="windowText" lastClr="000000"/>
                           </a:solidFill>
@@ -7161,28 +7161,6 @@
                           <a:cs typeface="Source Serif Pro" charset="0"/>
                         </a:rPr>
                         <a:t>Value</a:t>
-                      </a:r>
-                      <a:r>
-                        <a:rPr lang="en-US" sz="1800" b="0" baseline="0" dirty="0" smtClean="0">
-                          <a:solidFill>
-                            <a:sysClr val="windowText" lastClr="000000"/>
-                          </a:solidFill>
-                          <a:latin typeface="Source Serif Pro" charset="0"/>
-                          <a:ea typeface="Source Serif Pro" charset="0"/>
-                          <a:cs typeface="Source Serif Pro" charset="0"/>
-                        </a:rPr>
-                        <a:t> </a:t>
-                      </a:r>
-                      <a:r>
-                        <a:rPr lang="mr-IN" sz="1800" b="0" baseline="0" dirty="0" smtClean="0">
-                          <a:solidFill>
-                            <a:sysClr val="windowText" lastClr="000000"/>
-                          </a:solidFill>
-                          <a:latin typeface="Source Serif Pro" charset="0"/>
-                          <a:ea typeface="Source Serif Pro" charset="0"/>
-                          <a:cs typeface="Source Serif Pro" charset="0"/>
-                        </a:rPr>
-                        <a:t>…</a:t>
                       </a:r>
                       <a:endParaRPr lang="en-US" sz="1800" b="0" dirty="0" smtClean="0">
                         <a:solidFill>
@@ -10853,11 +10831,6 @@
               </a:rPr>
               <a:t>MLE Message Extension TLV (Proposed)</a:t>
             </a:r>
-            <a:endParaRPr lang="en-US" sz="1800" dirty="0">
-              <a:latin typeface="Source Serif Pro" charset="0"/>
-              <a:ea typeface="Source Serif Pro" charset="0"/>
-              <a:cs typeface="Source Serif Pro" charset="0"/>
-            </a:endParaRPr>
           </a:p>
         </p:txBody>
       </p:sp>
